--- a/The Battle of Neighborhood.pptx
+++ b/The Battle of Neighborhood.pptx
@@ -4653,7 +4653,13 @@
           </p:nvPr>
         </p:nvPicPr>
         <p:blipFill>
-          <a:blip r:embed="rId2"/>
+          <a:blip r:embed="rId2" cstate="screen">
+            <a:extLst>
+              <a:ext uri="{28A0092B-C50C-407E-A947-70E740481C1C}">
+                <a14:useLocalDpi xmlns:a14="http://schemas.microsoft.com/office/drawing/2010/main"/>
+              </a:ext>
+            </a:extLst>
+          </a:blip>
           <a:stretch>
             <a:fillRect/>
           </a:stretch>
@@ -4681,7 +4687,13 @@
           <p:nvPr/>
         </p:nvPicPr>
         <p:blipFill>
-          <a:blip r:embed="rId3"/>
+          <a:blip r:embed="rId3" cstate="screen">
+            <a:extLst>
+              <a:ext uri="{28A0092B-C50C-407E-A947-70E740481C1C}">
+                <a14:useLocalDpi xmlns:a14="http://schemas.microsoft.com/office/drawing/2010/main"/>
+              </a:ext>
+            </a:extLst>
+          </a:blip>
           <a:stretch>
             <a:fillRect/>
           </a:stretch>
